--- a/Software analyze/Teampathy/UI Progress.pptx
+++ b/Software analyze/Teampathy/UI Progress.pptx
@@ -302,7 +302,7 @@
           <a:p>
             <a:fld id="{5F18B815-AB17-44C7-ABC1-F9E7AC935B4F}" type="datetimeFigureOut">
               <a:rPr lang="zh-TW" altLang="en-US" smtClean="0"/>
-              <a:t>2017/6/29</a:t>
+              <a:t>2017/7/6</a:t>
             </a:fld>
             <a:endParaRPr lang="zh-TW" altLang="en-US"/>
           </a:p>
@@ -577,7 +577,7 @@
           <a:p>
             <a:fld id="{5F18B815-AB17-44C7-ABC1-F9E7AC935B4F}" type="datetimeFigureOut">
               <a:rPr lang="zh-TW" altLang="en-US" smtClean="0"/>
-              <a:t>2017/6/29</a:t>
+              <a:t>2017/7/6</a:t>
             </a:fld>
             <a:endParaRPr lang="zh-TW" altLang="en-US"/>
           </a:p>
@@ -771,7 +771,7 @@
           <a:p>
             <a:fld id="{5F18B815-AB17-44C7-ABC1-F9E7AC935B4F}" type="datetimeFigureOut">
               <a:rPr lang="zh-TW" altLang="en-US" smtClean="0"/>
-              <a:t>2017/6/29</a:t>
+              <a:t>2017/7/6</a:t>
             </a:fld>
             <a:endParaRPr lang="zh-TW" altLang="en-US"/>
           </a:p>
@@ -1044,7 +1044,7 @@
           <a:p>
             <a:fld id="{5F18B815-AB17-44C7-ABC1-F9E7AC935B4F}" type="datetimeFigureOut">
               <a:rPr lang="zh-TW" altLang="en-US" smtClean="0"/>
-              <a:t>2017/6/29</a:t>
+              <a:t>2017/7/6</a:t>
             </a:fld>
             <a:endParaRPr lang="zh-TW" altLang="en-US"/>
           </a:p>
@@ -1385,7 +1385,7 @@
           <a:p>
             <a:fld id="{5F18B815-AB17-44C7-ABC1-F9E7AC935B4F}" type="datetimeFigureOut">
               <a:rPr lang="zh-TW" altLang="en-US" smtClean="0"/>
-              <a:t>2017/6/29</a:t>
+              <a:t>2017/7/6</a:t>
             </a:fld>
             <a:endParaRPr lang="zh-TW" altLang="en-US"/>
           </a:p>
@@ -2008,7 +2008,7 @@
           <a:p>
             <a:fld id="{5F18B815-AB17-44C7-ABC1-F9E7AC935B4F}" type="datetimeFigureOut">
               <a:rPr lang="zh-TW" altLang="en-US" smtClean="0"/>
-              <a:t>2017/6/29</a:t>
+              <a:t>2017/7/6</a:t>
             </a:fld>
             <a:endParaRPr lang="zh-TW" altLang="en-US"/>
           </a:p>
@@ -2868,7 +2868,7 @@
           <a:p>
             <a:fld id="{5F18B815-AB17-44C7-ABC1-F9E7AC935B4F}" type="datetimeFigureOut">
               <a:rPr lang="zh-TW" altLang="en-US" smtClean="0"/>
-              <a:t>2017/6/29</a:t>
+              <a:t>2017/7/6</a:t>
             </a:fld>
             <a:endParaRPr lang="zh-TW" altLang="en-US"/>
           </a:p>
@@ -3038,7 +3038,7 @@
           <a:p>
             <a:fld id="{5F18B815-AB17-44C7-ABC1-F9E7AC935B4F}" type="datetimeFigureOut">
               <a:rPr lang="zh-TW" altLang="en-US" smtClean="0"/>
-              <a:t>2017/6/29</a:t>
+              <a:t>2017/7/6</a:t>
             </a:fld>
             <a:endParaRPr lang="zh-TW" altLang="en-US"/>
           </a:p>
@@ -3218,7 +3218,7 @@
           <a:p>
             <a:fld id="{5F18B815-AB17-44C7-ABC1-F9E7AC935B4F}" type="datetimeFigureOut">
               <a:rPr lang="zh-TW" altLang="en-US" smtClean="0"/>
-              <a:t>2017/6/29</a:t>
+              <a:t>2017/7/6</a:t>
             </a:fld>
             <a:endParaRPr lang="zh-TW" altLang="en-US"/>
           </a:p>
@@ -3388,7 +3388,7 @@
           <a:p>
             <a:fld id="{5F18B815-AB17-44C7-ABC1-F9E7AC935B4F}" type="datetimeFigureOut">
               <a:rPr lang="zh-TW" altLang="en-US" smtClean="0"/>
-              <a:t>2017/6/29</a:t>
+              <a:t>2017/7/6</a:t>
             </a:fld>
             <a:endParaRPr lang="zh-TW" altLang="en-US"/>
           </a:p>
@@ -3635,7 +3635,7 @@
           <a:p>
             <a:fld id="{5F18B815-AB17-44C7-ABC1-F9E7AC935B4F}" type="datetimeFigureOut">
               <a:rPr lang="zh-TW" altLang="en-US" smtClean="0"/>
-              <a:t>2017/6/29</a:t>
+              <a:t>2017/7/6</a:t>
             </a:fld>
             <a:endParaRPr lang="zh-TW" altLang="en-US"/>
           </a:p>
@@ -3927,7 +3927,7 @@
           <a:p>
             <a:fld id="{5F18B815-AB17-44C7-ABC1-F9E7AC935B4F}" type="datetimeFigureOut">
               <a:rPr lang="zh-TW" altLang="en-US" smtClean="0"/>
-              <a:t>2017/6/29</a:t>
+              <a:t>2017/7/6</a:t>
             </a:fld>
             <a:endParaRPr lang="zh-TW" altLang="en-US"/>
           </a:p>
@@ -4371,7 +4371,7 @@
           <a:p>
             <a:fld id="{5F18B815-AB17-44C7-ABC1-F9E7AC935B4F}" type="datetimeFigureOut">
               <a:rPr lang="zh-TW" altLang="en-US" smtClean="0"/>
-              <a:t>2017/6/29</a:t>
+              <a:t>2017/7/6</a:t>
             </a:fld>
             <a:endParaRPr lang="zh-TW" altLang="en-US"/>
           </a:p>
@@ -4489,7 +4489,7 @@
           <a:p>
             <a:fld id="{5F18B815-AB17-44C7-ABC1-F9E7AC935B4F}" type="datetimeFigureOut">
               <a:rPr lang="zh-TW" altLang="en-US" smtClean="0"/>
-              <a:t>2017/6/29</a:t>
+              <a:t>2017/7/6</a:t>
             </a:fld>
             <a:endParaRPr lang="zh-TW" altLang="en-US"/>
           </a:p>
@@ -4584,7 +4584,7 @@
           <a:p>
             <a:fld id="{5F18B815-AB17-44C7-ABC1-F9E7AC935B4F}" type="datetimeFigureOut">
               <a:rPr lang="zh-TW" altLang="en-US" smtClean="0"/>
-              <a:t>2017/6/29</a:t>
+              <a:t>2017/7/6</a:t>
             </a:fld>
             <a:endParaRPr lang="zh-TW" altLang="en-US"/>
           </a:p>
@@ -4863,7 +4863,7 @@
           <a:p>
             <a:fld id="{5F18B815-AB17-44C7-ABC1-F9E7AC935B4F}" type="datetimeFigureOut">
               <a:rPr lang="zh-TW" altLang="en-US" smtClean="0"/>
-              <a:t>2017/6/29</a:t>
+              <a:t>2017/7/6</a:t>
             </a:fld>
             <a:endParaRPr lang="zh-TW" altLang="en-US"/>
           </a:p>
@@ -5138,7 +5138,7 @@
           <a:p>
             <a:fld id="{5F18B815-AB17-44C7-ABC1-F9E7AC935B4F}" type="datetimeFigureOut">
               <a:rPr lang="zh-TW" altLang="en-US" smtClean="0"/>
-              <a:t>2017/6/29</a:t>
+              <a:t>2017/7/6</a:t>
             </a:fld>
             <a:endParaRPr lang="zh-TW" altLang="en-US"/>
           </a:p>
@@ -5567,7 +5567,7 @@
           <a:p>
             <a:fld id="{5F18B815-AB17-44C7-ABC1-F9E7AC935B4F}" type="datetimeFigureOut">
               <a:rPr lang="zh-TW" altLang="en-US" smtClean="0"/>
-              <a:t>2017/6/29</a:t>
+              <a:t>2017/7/6</a:t>
             </a:fld>
             <a:endParaRPr lang="zh-TW" altLang="en-US"/>
           </a:p>
@@ -6104,7 +6104,7 @@
           <p:nvPr>
             <p:extLst>
               <p:ext uri="{D42A27DB-BD31-4B8C-83A1-F6EECF244321}">
-                <p14:modId xmlns:p14="http://schemas.microsoft.com/office/powerpoint/2010/main" val="2492616783"/>
+                <p14:modId xmlns:p14="http://schemas.microsoft.com/office/powerpoint/2010/main" val="721647707"/>
               </p:ext>
             </p:extLst>
           </p:nvPr>
@@ -6852,9 +6852,9 @@
                   </a:txBody>
                   <a:tcPr anchor="ctr">
                     <a:solidFill>
-                      <a:schemeClr val="accent1">
-                        <a:lumMod val="40000"/>
-                        <a:lumOff val="60000"/>
+                      <a:schemeClr val="accent3">
+                        <a:lumMod val="60000"/>
+                        <a:lumOff val="40000"/>
                       </a:schemeClr>
                     </a:solidFill>
                   </a:tcPr>

--- a/Software analyze/Teampathy/UI Progress.pptx
+++ b/Software analyze/Teampathy/UI Progress.pptx
@@ -302,7 +302,7 @@
           <a:p>
             <a:fld id="{5F18B815-AB17-44C7-ABC1-F9E7AC935B4F}" type="datetimeFigureOut">
               <a:rPr lang="zh-TW" altLang="en-US" smtClean="0"/>
-              <a:t>2017/7/6</a:t>
+              <a:t>2017/7/9</a:t>
             </a:fld>
             <a:endParaRPr lang="zh-TW" altLang="en-US"/>
           </a:p>
@@ -577,7 +577,7 @@
           <a:p>
             <a:fld id="{5F18B815-AB17-44C7-ABC1-F9E7AC935B4F}" type="datetimeFigureOut">
               <a:rPr lang="zh-TW" altLang="en-US" smtClean="0"/>
-              <a:t>2017/7/6</a:t>
+              <a:t>2017/7/9</a:t>
             </a:fld>
             <a:endParaRPr lang="zh-TW" altLang="en-US"/>
           </a:p>
@@ -771,7 +771,7 @@
           <a:p>
             <a:fld id="{5F18B815-AB17-44C7-ABC1-F9E7AC935B4F}" type="datetimeFigureOut">
               <a:rPr lang="zh-TW" altLang="en-US" smtClean="0"/>
-              <a:t>2017/7/6</a:t>
+              <a:t>2017/7/9</a:t>
             </a:fld>
             <a:endParaRPr lang="zh-TW" altLang="en-US"/>
           </a:p>
@@ -1044,7 +1044,7 @@
           <a:p>
             <a:fld id="{5F18B815-AB17-44C7-ABC1-F9E7AC935B4F}" type="datetimeFigureOut">
               <a:rPr lang="zh-TW" altLang="en-US" smtClean="0"/>
-              <a:t>2017/7/6</a:t>
+              <a:t>2017/7/9</a:t>
             </a:fld>
             <a:endParaRPr lang="zh-TW" altLang="en-US"/>
           </a:p>
@@ -1385,7 +1385,7 @@
           <a:p>
             <a:fld id="{5F18B815-AB17-44C7-ABC1-F9E7AC935B4F}" type="datetimeFigureOut">
               <a:rPr lang="zh-TW" altLang="en-US" smtClean="0"/>
-              <a:t>2017/7/6</a:t>
+              <a:t>2017/7/9</a:t>
             </a:fld>
             <a:endParaRPr lang="zh-TW" altLang="en-US"/>
           </a:p>
@@ -2008,7 +2008,7 @@
           <a:p>
             <a:fld id="{5F18B815-AB17-44C7-ABC1-F9E7AC935B4F}" type="datetimeFigureOut">
               <a:rPr lang="zh-TW" altLang="en-US" smtClean="0"/>
-              <a:t>2017/7/6</a:t>
+              <a:t>2017/7/9</a:t>
             </a:fld>
             <a:endParaRPr lang="zh-TW" altLang="en-US"/>
           </a:p>
@@ -2868,7 +2868,7 @@
           <a:p>
             <a:fld id="{5F18B815-AB17-44C7-ABC1-F9E7AC935B4F}" type="datetimeFigureOut">
               <a:rPr lang="zh-TW" altLang="en-US" smtClean="0"/>
-              <a:t>2017/7/6</a:t>
+              <a:t>2017/7/9</a:t>
             </a:fld>
             <a:endParaRPr lang="zh-TW" altLang="en-US"/>
           </a:p>
@@ -3038,7 +3038,7 @@
           <a:p>
             <a:fld id="{5F18B815-AB17-44C7-ABC1-F9E7AC935B4F}" type="datetimeFigureOut">
               <a:rPr lang="zh-TW" altLang="en-US" smtClean="0"/>
-              <a:t>2017/7/6</a:t>
+              <a:t>2017/7/9</a:t>
             </a:fld>
             <a:endParaRPr lang="zh-TW" altLang="en-US"/>
           </a:p>
@@ -3218,7 +3218,7 @@
           <a:p>
             <a:fld id="{5F18B815-AB17-44C7-ABC1-F9E7AC935B4F}" type="datetimeFigureOut">
               <a:rPr lang="zh-TW" altLang="en-US" smtClean="0"/>
-              <a:t>2017/7/6</a:t>
+              <a:t>2017/7/9</a:t>
             </a:fld>
             <a:endParaRPr lang="zh-TW" altLang="en-US"/>
           </a:p>
@@ -3388,7 +3388,7 @@
           <a:p>
             <a:fld id="{5F18B815-AB17-44C7-ABC1-F9E7AC935B4F}" type="datetimeFigureOut">
               <a:rPr lang="zh-TW" altLang="en-US" smtClean="0"/>
-              <a:t>2017/7/6</a:t>
+              <a:t>2017/7/9</a:t>
             </a:fld>
             <a:endParaRPr lang="zh-TW" altLang="en-US"/>
           </a:p>
@@ -3635,7 +3635,7 @@
           <a:p>
             <a:fld id="{5F18B815-AB17-44C7-ABC1-F9E7AC935B4F}" type="datetimeFigureOut">
               <a:rPr lang="zh-TW" altLang="en-US" smtClean="0"/>
-              <a:t>2017/7/6</a:t>
+              <a:t>2017/7/9</a:t>
             </a:fld>
             <a:endParaRPr lang="zh-TW" altLang="en-US"/>
           </a:p>
@@ -3927,7 +3927,7 @@
           <a:p>
             <a:fld id="{5F18B815-AB17-44C7-ABC1-F9E7AC935B4F}" type="datetimeFigureOut">
               <a:rPr lang="zh-TW" altLang="en-US" smtClean="0"/>
-              <a:t>2017/7/6</a:t>
+              <a:t>2017/7/9</a:t>
             </a:fld>
             <a:endParaRPr lang="zh-TW" altLang="en-US"/>
           </a:p>
@@ -4371,7 +4371,7 @@
           <a:p>
             <a:fld id="{5F18B815-AB17-44C7-ABC1-F9E7AC935B4F}" type="datetimeFigureOut">
               <a:rPr lang="zh-TW" altLang="en-US" smtClean="0"/>
-              <a:t>2017/7/6</a:t>
+              <a:t>2017/7/9</a:t>
             </a:fld>
             <a:endParaRPr lang="zh-TW" altLang="en-US"/>
           </a:p>
@@ -4489,7 +4489,7 @@
           <a:p>
             <a:fld id="{5F18B815-AB17-44C7-ABC1-F9E7AC935B4F}" type="datetimeFigureOut">
               <a:rPr lang="zh-TW" altLang="en-US" smtClean="0"/>
-              <a:t>2017/7/6</a:t>
+              <a:t>2017/7/9</a:t>
             </a:fld>
             <a:endParaRPr lang="zh-TW" altLang="en-US"/>
           </a:p>
@@ -4584,7 +4584,7 @@
           <a:p>
             <a:fld id="{5F18B815-AB17-44C7-ABC1-F9E7AC935B4F}" type="datetimeFigureOut">
               <a:rPr lang="zh-TW" altLang="en-US" smtClean="0"/>
-              <a:t>2017/7/6</a:t>
+              <a:t>2017/7/9</a:t>
             </a:fld>
             <a:endParaRPr lang="zh-TW" altLang="en-US"/>
           </a:p>
@@ -4863,7 +4863,7 @@
           <a:p>
             <a:fld id="{5F18B815-AB17-44C7-ABC1-F9E7AC935B4F}" type="datetimeFigureOut">
               <a:rPr lang="zh-TW" altLang="en-US" smtClean="0"/>
-              <a:t>2017/7/6</a:t>
+              <a:t>2017/7/9</a:t>
             </a:fld>
             <a:endParaRPr lang="zh-TW" altLang="en-US"/>
           </a:p>
@@ -5138,7 +5138,7 @@
           <a:p>
             <a:fld id="{5F18B815-AB17-44C7-ABC1-F9E7AC935B4F}" type="datetimeFigureOut">
               <a:rPr lang="zh-TW" altLang="en-US" smtClean="0"/>
-              <a:t>2017/7/6</a:t>
+              <a:t>2017/7/9</a:t>
             </a:fld>
             <a:endParaRPr lang="zh-TW" altLang="en-US"/>
           </a:p>
@@ -5567,7 +5567,7 @@
           <a:p>
             <a:fld id="{5F18B815-AB17-44C7-ABC1-F9E7AC935B4F}" type="datetimeFigureOut">
               <a:rPr lang="zh-TW" altLang="en-US" smtClean="0"/>
-              <a:t>2017/7/6</a:t>
+              <a:t>2017/7/9</a:t>
             </a:fld>
             <a:endParaRPr lang="zh-TW" altLang="en-US"/>
           </a:p>
@@ -6104,14 +6104,14 @@
           <p:nvPr>
             <p:extLst>
               <p:ext uri="{D42A27DB-BD31-4B8C-83A1-F6EECF244321}">
-                <p14:modId xmlns:p14="http://schemas.microsoft.com/office/powerpoint/2010/main" val="721647707"/>
+                <p14:modId xmlns:p14="http://schemas.microsoft.com/office/powerpoint/2010/main" val="619733415"/>
               </p:ext>
             </p:extLst>
           </p:nvPr>
         </p:nvGraphicFramePr>
         <p:xfrm>
           <a:off x="1112363" y="-20704"/>
-          <a:ext cx="9973560" cy="6874454"/>
+          <a:ext cx="9973560" cy="6508694"/>
         </p:xfrm>
         <a:graphic>
           <a:graphicData uri="http://schemas.openxmlformats.org/drawingml/2006/table">
@@ -6757,7 +6757,13 @@
                       <a:endParaRPr lang="zh-TW" altLang="en-US" sz="1800" dirty="0"/>
                     </a:p>
                   </a:txBody>
-                  <a:tcPr anchor="ctr"/>
+                  <a:tcPr anchor="ctr">
+                    <a:solidFill>
+                      <a:schemeClr val="tx1">
+                        <a:lumMod val="85000"/>
+                      </a:schemeClr>
+                    </a:solidFill>
+                  </a:tcPr>
                 </a:tc>
                 <a:extLst>
                   <a:ext uri="{0D108BD9-81ED-4DB2-BD59-A6C34878D82A}">
@@ -6815,7 +6821,7 @@
                 </a:extLst>
               </a:tr>
               <a:tr h="359892">
-                <a:tc rowSpan="2">
+                <a:tc>
                   <a:txBody>
                     <a:bodyPr/>
                     <a:lstStyle/>
@@ -6859,7 +6865,7 @@
                     </a:solidFill>
                   </a:tcPr>
                 </a:tc>
-                <a:tc rowSpan="2">
+                <a:tc>
                   <a:txBody>
                     <a:bodyPr/>
                     <a:lstStyle/>
@@ -6884,55 +6890,6 @@
                 <a:extLst>
                   <a:ext uri="{0D108BD9-81ED-4DB2-BD59-A6C34878D82A}">
                     <a16:rowId xmlns:a16="http://schemas.microsoft.com/office/drawing/2014/main" val="3941607093"/>
-                  </a:ext>
-                </a:extLst>
-              </a:tr>
-              <a:tr h="359892">
-                <a:tc vMerge="1">
-                  <a:txBody>
-                    <a:bodyPr/>
-                    <a:lstStyle/>
-                    <a:p>
-                      <a:endParaRPr lang="zh-TW" altLang="en-US"/>
-                    </a:p>
-                  </a:txBody>
-                  <a:tcPr/>
-                </a:tc>
-                <a:tc>
-                  <a:txBody>
-                    <a:bodyPr/>
-                    <a:lstStyle/>
-                    <a:p>
-                      <a:pPr algn="ctr"/>
-                      <a:r>
-                        <a:rPr lang="en-US" altLang="zh-TW" sz="1800" dirty="0"/>
-                        <a:t>Create A TODO</a:t>
-                      </a:r>
-                      <a:endParaRPr lang="zh-TW" altLang="en-US" sz="1800" dirty="0"/>
-                    </a:p>
-                  </a:txBody>
-                  <a:tcPr anchor="ctr">
-                    <a:solidFill>
-                      <a:schemeClr val="accent1">
-                        <a:lumMod val="40000"/>
-                        <a:lumOff val="60000"/>
-                      </a:schemeClr>
-                    </a:solidFill>
-                  </a:tcPr>
-                </a:tc>
-                <a:tc vMerge="1">
-                  <a:txBody>
-                    <a:bodyPr/>
-                    <a:lstStyle/>
-                    <a:p>
-                      <a:endParaRPr lang="zh-TW" altLang="en-US"/>
-                    </a:p>
-                  </a:txBody>
-                  <a:tcPr/>
-                </a:tc>
-                <a:extLst>
-                  <a:ext uri="{0D108BD9-81ED-4DB2-BD59-A6C34878D82A}">
-                    <a16:rowId xmlns:a16="http://schemas.microsoft.com/office/drawing/2014/main" val="2903111544"/>
                   </a:ext>
                 </a:extLst>
               </a:tr>
@@ -7083,9 +7040,9 @@
                   </a:txBody>
                   <a:tcPr anchor="ctr">
                     <a:solidFill>
-                      <a:schemeClr val="accent1">
-                        <a:lumMod val="40000"/>
-                        <a:lumOff val="60000"/>
+                      <a:schemeClr val="accent3">
+                        <a:lumMod val="60000"/>
+                        <a:lumOff val="40000"/>
                       </a:schemeClr>
                     </a:solidFill>
                   </a:tcPr>
@@ -7180,9 +7137,9 @@
                   </a:txBody>
                   <a:tcPr anchor="ctr">
                     <a:solidFill>
-                      <a:schemeClr val="accent1">
-                        <a:lumMod val="40000"/>
-                        <a:lumOff val="60000"/>
+                      <a:schemeClr val="accent3">
+                        <a:lumMod val="60000"/>
+                        <a:lumOff val="40000"/>
                       </a:schemeClr>
                     </a:solidFill>
                   </a:tcPr>
@@ -7207,6 +7164,222 @@
           </a:graphicData>
         </a:graphic>
       </p:graphicFrame>
+      <p:sp>
+        <p:nvSpPr>
+          <p:cNvPr id="2" name="文字方塊 1">
+            <a:extLst>
+              <a:ext uri="{FF2B5EF4-FFF2-40B4-BE49-F238E27FC236}">
+                <a16:creationId xmlns:a16="http://schemas.microsoft.com/office/drawing/2014/main" id="{123E16DB-B2F6-4B2D-AE66-5D10CD41BFC1}"/>
+              </a:ext>
+            </a:extLst>
+          </p:cNvPr>
+          <p:cNvSpPr txBox="1"/>
+          <p:nvPr/>
+        </p:nvSpPr>
+        <p:spPr>
+          <a:xfrm>
+            <a:off x="3602183" y="3546764"/>
+            <a:ext cx="833883" cy="369332"/>
+          </a:xfrm>
+          <a:prstGeom prst="rect">
+            <a:avLst/>
+          </a:prstGeom>
+          <a:noFill/>
+        </p:spPr>
+        <p:txBody>
+          <a:bodyPr wrap="none" rtlCol="0">
+            <a:spAutoFit/>
+          </a:bodyPr>
+          <a:lstStyle/>
+          <a:p>
+            <a:r>
+              <a:rPr lang="en-US" altLang="zh-TW" dirty="0">
+                <a:solidFill>
+                  <a:srgbClr val="FFFF00"/>
+                </a:solidFill>
+              </a:rPr>
+              <a:t>CR</a:t>
+            </a:r>
+            <a:r>
+              <a:rPr lang="en-US" altLang="zh-TW" dirty="0">
+                <a:solidFill>
+                  <a:srgbClr val="FF0000"/>
+                </a:solidFill>
+              </a:rPr>
+              <a:t>UD</a:t>
+            </a:r>
+            <a:endParaRPr lang="zh-TW" altLang="en-US" dirty="0">
+              <a:solidFill>
+                <a:srgbClr val="FF0000"/>
+              </a:solidFill>
+            </a:endParaRPr>
+          </a:p>
+        </p:txBody>
+      </p:sp>
+      <p:sp>
+        <p:nvSpPr>
+          <p:cNvPr id="6" name="文字方塊 5">
+            <a:extLst>
+              <a:ext uri="{FF2B5EF4-FFF2-40B4-BE49-F238E27FC236}">
+                <a16:creationId xmlns:a16="http://schemas.microsoft.com/office/drawing/2014/main" id="{4F4B22CA-FE94-4C3E-BEF5-30B1FB1D1ECB}"/>
+              </a:ext>
+            </a:extLst>
+          </p:cNvPr>
+          <p:cNvSpPr txBox="1"/>
+          <p:nvPr/>
+        </p:nvSpPr>
+        <p:spPr>
+          <a:xfrm>
+            <a:off x="3602182" y="4276436"/>
+            <a:ext cx="833883" cy="369332"/>
+          </a:xfrm>
+          <a:prstGeom prst="rect">
+            <a:avLst/>
+          </a:prstGeom>
+          <a:noFill/>
+        </p:spPr>
+        <p:txBody>
+          <a:bodyPr wrap="none" rtlCol="0">
+            <a:spAutoFit/>
+          </a:bodyPr>
+          <a:lstStyle/>
+          <a:p>
+            <a:r>
+              <a:rPr lang="en-US" altLang="zh-TW" dirty="0">
+                <a:solidFill>
+                  <a:srgbClr val="FFFF00"/>
+                </a:solidFill>
+              </a:rPr>
+              <a:t>CR</a:t>
+            </a:r>
+            <a:r>
+              <a:rPr lang="en-US" altLang="zh-TW" dirty="0">
+                <a:solidFill>
+                  <a:srgbClr val="FF0000"/>
+                </a:solidFill>
+              </a:rPr>
+              <a:t>UD</a:t>
+            </a:r>
+            <a:endParaRPr lang="zh-TW" altLang="en-US" dirty="0">
+              <a:solidFill>
+                <a:srgbClr val="FF0000"/>
+              </a:solidFill>
+            </a:endParaRPr>
+          </a:p>
+        </p:txBody>
+      </p:sp>
+      <p:sp>
+        <p:nvSpPr>
+          <p:cNvPr id="7" name="文字方塊 6">
+            <a:extLst>
+              <a:ext uri="{FF2B5EF4-FFF2-40B4-BE49-F238E27FC236}">
+                <a16:creationId xmlns:a16="http://schemas.microsoft.com/office/drawing/2014/main" id="{6DE1BB96-7C2A-49E7-8D3D-A1440CF27A28}"/>
+              </a:ext>
+            </a:extLst>
+          </p:cNvPr>
+          <p:cNvSpPr txBox="1"/>
+          <p:nvPr/>
+        </p:nvSpPr>
+        <p:spPr>
+          <a:xfrm>
+            <a:off x="3602180" y="4654652"/>
+            <a:ext cx="833883" cy="369332"/>
+          </a:xfrm>
+          <a:prstGeom prst="rect">
+            <a:avLst/>
+          </a:prstGeom>
+          <a:noFill/>
+        </p:spPr>
+        <p:txBody>
+          <a:bodyPr wrap="none" rtlCol="0">
+            <a:spAutoFit/>
+          </a:bodyPr>
+          <a:lstStyle/>
+          <a:p>
+            <a:r>
+              <a:rPr lang="en-US" altLang="zh-TW" dirty="0">
+                <a:solidFill>
+                  <a:srgbClr val="FF0000"/>
+                </a:solidFill>
+              </a:rPr>
+              <a:t>C</a:t>
+            </a:r>
+            <a:r>
+              <a:rPr lang="en-US" altLang="zh-TW" dirty="0">
+                <a:solidFill>
+                  <a:srgbClr val="FFFF00"/>
+                </a:solidFill>
+              </a:rPr>
+              <a:t>R</a:t>
+            </a:r>
+            <a:r>
+              <a:rPr lang="en-US" altLang="zh-TW" dirty="0">
+                <a:solidFill>
+                  <a:srgbClr val="FF0000"/>
+                </a:solidFill>
+              </a:rPr>
+              <a:t>UD</a:t>
+            </a:r>
+            <a:endParaRPr lang="zh-TW" altLang="en-US" dirty="0">
+              <a:solidFill>
+                <a:srgbClr val="FF0000"/>
+              </a:solidFill>
+            </a:endParaRPr>
+          </a:p>
+        </p:txBody>
+      </p:sp>
+      <p:sp>
+        <p:nvSpPr>
+          <p:cNvPr id="9" name="文字方塊 8">
+            <a:extLst>
+              <a:ext uri="{FF2B5EF4-FFF2-40B4-BE49-F238E27FC236}">
+                <a16:creationId xmlns:a16="http://schemas.microsoft.com/office/drawing/2014/main" id="{E2FD2370-A21D-409E-B4C3-95B0B8371E42}"/>
+              </a:ext>
+            </a:extLst>
+          </p:cNvPr>
+          <p:cNvSpPr txBox="1"/>
+          <p:nvPr/>
+        </p:nvSpPr>
+        <p:spPr>
+          <a:xfrm>
+            <a:off x="3602180" y="2124365"/>
+            <a:ext cx="833883" cy="369332"/>
+          </a:xfrm>
+          <a:prstGeom prst="rect">
+            <a:avLst/>
+          </a:prstGeom>
+          <a:noFill/>
+        </p:spPr>
+        <p:txBody>
+          <a:bodyPr wrap="none" rtlCol="0">
+            <a:spAutoFit/>
+          </a:bodyPr>
+          <a:lstStyle/>
+          <a:p>
+            <a:r>
+              <a:rPr lang="en-US" altLang="zh-TW" dirty="0">
+                <a:solidFill>
+                  <a:srgbClr val="FFFF00"/>
+                </a:solidFill>
+              </a:rPr>
+              <a:t>CR</a:t>
+            </a:r>
+            <a:r>
+              <a:rPr lang="en-US" altLang="zh-TW" dirty="0">
+                <a:solidFill>
+                  <a:srgbClr val="FF0000"/>
+                </a:solidFill>
+              </a:rPr>
+              <a:t>UD</a:t>
+            </a:r>
+            <a:endParaRPr lang="zh-TW" altLang="en-US" dirty="0">
+              <a:solidFill>
+                <a:srgbClr val="FF0000"/>
+              </a:solidFill>
+            </a:endParaRPr>
+          </a:p>
+        </p:txBody>
+      </p:sp>
     </p:spTree>
     <p:extLst>
       <p:ext uri="{BB962C8B-B14F-4D97-AF65-F5344CB8AC3E}">
